--- a/Spring_Vs_Quarkus.pptx
+++ b/Spring_Vs_Quarkus.pptx
@@ -208,7 +208,7 @@
           <a:p>
             <a:fld id="{A56EB219-4127-E741-ADD4-00234EBFA567}" type="datetimeFigureOut">
               <a:rPr lang="en-PL" smtClean="0"/>
-              <a:t>14/12/2024</a:t>
+              <a:t>15/12/2024</a:t>
             </a:fld>
             <a:endParaRPr lang="en-PL"/>
           </a:p>
@@ -2334,7 +2334,7 @@
           <a:p>
             <a:fld id="{8F72BA41-EC5B-4197-BCC8-0FD2E523CD7A}" type="datetimeFigureOut">
               <a:rPr lang="en-US" smtClean="0"/>
-              <a:t>12/14/24</a:t>
+              <a:t>12/15/24</a:t>
             </a:fld>
             <a:endParaRPr lang="en-US"/>
           </a:p>
@@ -2537,7 +2537,7 @@
           <a:p>
             <a:fld id="{8F72BA41-EC5B-4197-BCC8-0FD2E523CD7A}" type="datetimeFigureOut">
               <a:rPr lang="en-US" smtClean="0"/>
-              <a:t>12/14/24</a:t>
+              <a:t>12/15/24</a:t>
             </a:fld>
             <a:endParaRPr lang="en-US"/>
           </a:p>
@@ -4258,7 +4258,7 @@
           <a:p>
             <a:fld id="{8F72BA41-EC5B-4197-BCC8-0FD2E523CD7A}" type="datetimeFigureOut">
               <a:rPr lang="en-US" smtClean="0"/>
-              <a:t>12/14/24</a:t>
+              <a:t>12/15/24</a:t>
             </a:fld>
             <a:endParaRPr lang="en-US"/>
           </a:p>
@@ -4457,7 +4457,7 @@
           <a:p>
             <a:fld id="{8F72BA41-EC5B-4197-BCC8-0FD2E523CD7A}" type="datetimeFigureOut">
               <a:rPr lang="en-US" smtClean="0"/>
-              <a:t>12/14/24</a:t>
+              <a:t>12/15/24</a:t>
             </a:fld>
             <a:endParaRPr lang="en-US"/>
           </a:p>
@@ -6247,7 +6247,7 @@
           <a:p>
             <a:fld id="{8F72BA41-EC5B-4197-BCC8-0FD2E523CD7A}" type="datetimeFigureOut">
               <a:rPr lang="en-US" smtClean="0"/>
-              <a:t>12/14/24</a:t>
+              <a:t>12/15/24</a:t>
             </a:fld>
             <a:endParaRPr lang="en-US"/>
           </a:p>
@@ -6520,7 +6520,7 @@
           <a:p>
             <a:fld id="{8F72BA41-EC5B-4197-BCC8-0FD2E523CD7A}" type="datetimeFigureOut">
               <a:rPr lang="en-US" smtClean="0"/>
-              <a:t>12/14/24</a:t>
+              <a:t>12/15/24</a:t>
             </a:fld>
             <a:endParaRPr lang="en-US"/>
           </a:p>
@@ -6940,7 +6940,7 @@
           <a:p>
             <a:fld id="{8F72BA41-EC5B-4197-BCC8-0FD2E523CD7A}" type="datetimeFigureOut">
               <a:rPr lang="en-US" smtClean="0"/>
-              <a:t>12/14/24</a:t>
+              <a:t>12/15/24</a:t>
             </a:fld>
             <a:endParaRPr lang="en-US"/>
           </a:p>
@@ -7096,7 +7096,7 @@
           <a:p>
             <a:fld id="{8F72BA41-EC5B-4197-BCC8-0FD2E523CD7A}" type="datetimeFigureOut">
               <a:rPr lang="en-US" smtClean="0"/>
-              <a:t>12/14/24</a:t>
+              <a:t>12/15/24</a:t>
             </a:fld>
             <a:endParaRPr lang="en-US"/>
           </a:p>
@@ -8664,7 +8664,7 @@
           <a:p>
             <a:fld id="{8F72BA41-EC5B-4197-BCC8-0FD2E523CD7A}" type="datetimeFigureOut">
               <a:rPr lang="en-US" smtClean="0"/>
-              <a:t>12/14/24</a:t>
+              <a:t>12/15/24</a:t>
             </a:fld>
             <a:endParaRPr lang="en-US"/>
           </a:p>
@@ -10515,7 +10515,7 @@
           <a:p>
             <a:fld id="{8F72BA41-EC5B-4197-BCC8-0FD2E523CD7A}" type="datetimeFigureOut">
               <a:rPr lang="en-US" smtClean="0"/>
-              <a:t>12/14/24</a:t>
+              <a:t>12/15/24</a:t>
             </a:fld>
             <a:endParaRPr lang="en-US"/>
           </a:p>
@@ -12328,7 +12328,7 @@
           <a:p>
             <a:fld id="{8F72BA41-EC5B-4197-BCC8-0FD2E523CD7A}" type="datetimeFigureOut">
               <a:rPr lang="en-US" smtClean="0"/>
-              <a:t>12/14/24</a:t>
+              <a:t>12/15/24</a:t>
             </a:fld>
             <a:endParaRPr lang="en-US"/>
           </a:p>
@@ -14022,7 +14022,7 @@
             <a:fld id="{8F72BA41-EC5B-4197-BCC8-0FD2E523CD7A}" type="datetimeFigureOut">
               <a:rPr lang="en-US" smtClean="0"/>
               <a:pPr/>
-              <a:t>12/14/24</a:t>
+              <a:t>12/15/24</a:t>
             </a:fld>
             <a:endParaRPr lang="en-US" dirty="0"/>
           </a:p>
@@ -16786,12 +16786,31 @@
           </a:p>
           <a:p>
             <a:r>
+              <a:rPr lang="en-US" dirty="0"/>
+              <a:t>Integration with </a:t>
+            </a:r>
+            <a:r>
               <a:rPr lang="en-US" dirty="0" err="1"/>
-              <a:t>Testcontainer</a:t>
+              <a:t>Testcontainers</a:t>
             </a:r>
             <a:r>
               <a:rPr lang="en-US" dirty="0"/>
-              <a:t> by default</a:t>
+              <a:t> on tests</a:t>
+            </a:r>
+          </a:p>
+          <a:p>
+            <a:pPr lvl="1"/>
+            <a:r>
+              <a:rPr lang="en-US" dirty="0"/>
+              <a:t>Requires us to clean up the </a:t>
+            </a:r>
+            <a:r>
+              <a:rPr lang="en-US" dirty="0" err="1"/>
+              <a:t>jdbc.url</a:t>
+            </a:r>
+            <a:r>
+              <a:rPr lang="en-US" dirty="0"/>
+              <a:t>, however only this change is needed</a:t>
             </a:r>
           </a:p>
           <a:p>

--- a/Spring_Vs_Quarkus.pptx
+++ b/Spring_Vs_Quarkus.pptx
@@ -16981,7 +16981,12 @@
             <p:ph idx="1"/>
           </p:nvPr>
         </p:nvSpPr>
-        <p:spPr/>
+        <p:spPr>
+          <a:xfrm>
+            <a:off x="691079" y="2350070"/>
+            <a:ext cx="10325000" cy="3564436"/>
+          </a:xfrm>
+        </p:spPr>
         <p:txBody>
           <a:bodyPr/>
           <a:lstStyle/>
@@ -16994,277 +16999,9 @@
             </a:r>
           </a:p>
           <a:p>
-            <a:endParaRPr lang="en-GB" dirty="0">
-              <a:hlinkClick r:id="rId2"/>
-            </a:endParaRPr>
-          </a:p>
-          <a:p>
-            <a:r>
-              <a:rPr lang="en-GB" dirty="0">
-                <a:hlinkClick r:id="rId2"/>
-              </a:rPr>
-              <a:t>https://quarkus.io/blog/quarkus-for-spring-developers/</a:t>
-            </a:r>
-          </a:p>
-          <a:p>
-            <a:r>
-              <a:rPr lang="en-GB" dirty="0">
-                <a:hlinkClick r:id="rId2"/>
-              </a:rPr>
-              <a:t>https://www.geeksforgeeks.org/difference-between-spring-boot-and-quarkus/</a:t>
-            </a:r>
-            <a:endParaRPr lang="en-GB" dirty="0"/>
-          </a:p>
-          <a:p>
             <a:r>
               <a:rPr lang="en-GB" dirty="0">
                 <a:hlinkClick r:id="rId3"/>
-              </a:rPr>
-              <a:t>https://quarkus.io/guides/hibernate-orm-panache</a:t>
-            </a:r>
-            <a:endParaRPr lang="en-GB" dirty="0"/>
-          </a:p>
-          <a:p>
-            <a:endParaRPr lang="en-GB" dirty="0"/>
-          </a:p>
-          <a:p>
-            <a:endParaRPr lang="en-PL" dirty="0"/>
-          </a:p>
-        </p:txBody>
-      </p:sp>
-      <p:sp>
-        <p:nvSpPr>
-          <p:cNvPr id="5" name="Content Placeholder 2">
-            <a:extLst>
-              <a:ext uri="{FF2B5EF4-FFF2-40B4-BE49-F238E27FC236}">
-                <a16:creationId xmlns:a16="http://schemas.microsoft.com/office/drawing/2014/main" id="{FA0F6E82-B334-200F-3F8C-473EB17E0880}"/>
-              </a:ext>
-            </a:extLst>
-          </p:cNvPr>
-          <p:cNvSpPr txBox="1">
-            <a:spLocks/>
-          </p:cNvSpPr>
-          <p:nvPr/>
-        </p:nvSpPr>
-        <p:spPr>
-          <a:xfrm>
-            <a:off x="691079" y="2358297"/>
-            <a:ext cx="10850950" cy="4111470"/>
-          </a:xfrm>
-          <a:prstGeom prst="rect">
-            <a:avLst/>
-          </a:prstGeom>
-        </p:spPr>
-        <p:txBody>
-          <a:bodyPr vert="horz" lIns="91440" tIns="45720" rIns="91440" bIns="45720" rtlCol="0">
-            <a:normAutofit/>
-          </a:bodyPr>
-          <a:lstStyle>
-            <a:lvl1pPr marL="228600" indent="-228600" algn="l" defTabSz="914400" rtl="0" eaLnBrk="1" latinLnBrk="0" hangingPunct="1">
-              <a:lnSpc>
-                <a:spcPct val="110000"/>
-              </a:lnSpc>
-              <a:spcBef>
-                <a:spcPts val="1000"/>
-              </a:spcBef>
-              <a:buClr>
-                <a:schemeClr val="tx2">
-                  <a:lumMod val="50000"/>
-                  <a:lumOff val="50000"/>
-                </a:schemeClr>
-              </a:buClr>
-              <a:buSzPct val="75000"/>
-              <a:buFont typeface="Wingdings" panose="05000000000000000000" pitchFamily="2" charset="2"/>
-              <a:buChar char="§"/>
-              <a:defRPr sz="2000" kern="1200">
-                <a:solidFill>
-                  <a:schemeClr val="tx2"/>
-                </a:solidFill>
-                <a:latin typeface="+mn-lt"/>
-                <a:ea typeface="+mn-ea"/>
-                <a:cs typeface="+mn-cs"/>
-              </a:defRPr>
-            </a:lvl1pPr>
-            <a:lvl2pPr marL="457200" indent="-228600" algn="l" defTabSz="914400" rtl="0" eaLnBrk="1" latinLnBrk="0" hangingPunct="1">
-              <a:lnSpc>
-                <a:spcPct val="110000"/>
-              </a:lnSpc>
-              <a:spcBef>
-                <a:spcPts val="500"/>
-              </a:spcBef>
-              <a:buClr>
-                <a:schemeClr val="tx2">
-                  <a:lumMod val="50000"/>
-                  <a:lumOff val="50000"/>
-                </a:schemeClr>
-              </a:buClr>
-              <a:buSzPct val="75000"/>
-              <a:buFont typeface="Wingdings" panose="05000000000000000000" pitchFamily="2" charset="2"/>
-              <a:buChar char="§"/>
-              <a:defRPr sz="1800" kern="1200">
-                <a:solidFill>
-                  <a:schemeClr val="tx2"/>
-                </a:solidFill>
-                <a:latin typeface="+mn-lt"/>
-                <a:ea typeface="+mn-ea"/>
-                <a:cs typeface="+mn-cs"/>
-              </a:defRPr>
-            </a:lvl2pPr>
-            <a:lvl3pPr marL="685800" indent="-228600" algn="l" defTabSz="914400" rtl="0" eaLnBrk="1" latinLnBrk="0" hangingPunct="1">
-              <a:lnSpc>
-                <a:spcPct val="110000"/>
-              </a:lnSpc>
-              <a:spcBef>
-                <a:spcPts val="500"/>
-              </a:spcBef>
-              <a:buClr>
-                <a:schemeClr val="tx2">
-                  <a:lumMod val="50000"/>
-                  <a:lumOff val="50000"/>
-                </a:schemeClr>
-              </a:buClr>
-              <a:buSzPct val="75000"/>
-              <a:buFont typeface="Wingdings" panose="05000000000000000000" pitchFamily="2" charset="2"/>
-              <a:buChar char="§"/>
-              <a:defRPr sz="1600" kern="1200">
-                <a:solidFill>
-                  <a:schemeClr val="tx2"/>
-                </a:solidFill>
-                <a:latin typeface="+mn-lt"/>
-                <a:ea typeface="+mn-ea"/>
-                <a:cs typeface="+mn-cs"/>
-              </a:defRPr>
-            </a:lvl3pPr>
-            <a:lvl4pPr marL="914400" indent="-228600" algn="l" defTabSz="914400" rtl="0" eaLnBrk="1" latinLnBrk="0" hangingPunct="1">
-              <a:lnSpc>
-                <a:spcPct val="110000"/>
-              </a:lnSpc>
-              <a:spcBef>
-                <a:spcPts val="500"/>
-              </a:spcBef>
-              <a:buClr>
-                <a:schemeClr val="tx2">
-                  <a:lumMod val="50000"/>
-                  <a:lumOff val="50000"/>
-                </a:schemeClr>
-              </a:buClr>
-              <a:buSzPct val="75000"/>
-              <a:buFont typeface="Wingdings" panose="05000000000000000000" pitchFamily="2" charset="2"/>
-              <a:buChar char="§"/>
-              <a:defRPr sz="1400" kern="1200">
-                <a:solidFill>
-                  <a:schemeClr val="tx2"/>
-                </a:solidFill>
-                <a:latin typeface="+mn-lt"/>
-                <a:ea typeface="+mn-ea"/>
-                <a:cs typeface="+mn-cs"/>
-              </a:defRPr>
-            </a:lvl4pPr>
-            <a:lvl5pPr marL="1143000" indent="-228600" algn="l" defTabSz="914400" rtl="0" eaLnBrk="1" latinLnBrk="0" hangingPunct="1">
-              <a:lnSpc>
-                <a:spcPct val="110000"/>
-              </a:lnSpc>
-              <a:spcBef>
-                <a:spcPts val="500"/>
-              </a:spcBef>
-              <a:buClr>
-                <a:schemeClr val="tx2">
-                  <a:lumMod val="50000"/>
-                  <a:lumOff val="50000"/>
-                </a:schemeClr>
-              </a:buClr>
-              <a:buSzPct val="75000"/>
-              <a:buFont typeface="Wingdings" panose="05000000000000000000" pitchFamily="2" charset="2"/>
-              <a:buChar char="§"/>
-              <a:defRPr sz="1400" kern="1200">
-                <a:solidFill>
-                  <a:schemeClr val="tx2"/>
-                </a:solidFill>
-                <a:latin typeface="+mn-lt"/>
-                <a:ea typeface="+mn-ea"/>
-                <a:cs typeface="+mn-cs"/>
-              </a:defRPr>
-            </a:lvl5pPr>
-            <a:lvl6pPr marL="2514600" indent="-228600" algn="l" defTabSz="914400" rtl="0" eaLnBrk="1" latinLnBrk="0" hangingPunct="1">
-              <a:lnSpc>
-                <a:spcPct val="90000"/>
-              </a:lnSpc>
-              <a:spcBef>
-                <a:spcPts val="500"/>
-              </a:spcBef>
-              <a:buFont typeface="Arial" panose="020B0604020202020204" pitchFamily="34" charset="0"/>
-              <a:buChar char="•"/>
-              <a:defRPr sz="1800" kern="1200">
-                <a:solidFill>
-                  <a:schemeClr val="tx1"/>
-                </a:solidFill>
-                <a:latin typeface="+mn-lt"/>
-                <a:ea typeface="+mn-ea"/>
-                <a:cs typeface="+mn-cs"/>
-              </a:defRPr>
-            </a:lvl6pPr>
-            <a:lvl7pPr marL="2971800" indent="-228600" algn="l" defTabSz="914400" rtl="0" eaLnBrk="1" latinLnBrk="0" hangingPunct="1">
-              <a:lnSpc>
-                <a:spcPct val="90000"/>
-              </a:lnSpc>
-              <a:spcBef>
-                <a:spcPts val="500"/>
-              </a:spcBef>
-              <a:buFont typeface="Arial" panose="020B0604020202020204" pitchFamily="34" charset="0"/>
-              <a:buChar char="•"/>
-              <a:defRPr sz="1800" kern="1200">
-                <a:solidFill>
-                  <a:schemeClr val="tx1"/>
-                </a:solidFill>
-                <a:latin typeface="+mn-lt"/>
-                <a:ea typeface="+mn-ea"/>
-                <a:cs typeface="+mn-cs"/>
-              </a:defRPr>
-            </a:lvl7pPr>
-            <a:lvl8pPr marL="3429000" indent="-228600" algn="l" defTabSz="914400" rtl="0" eaLnBrk="1" latinLnBrk="0" hangingPunct="1">
-              <a:lnSpc>
-                <a:spcPct val="90000"/>
-              </a:lnSpc>
-              <a:spcBef>
-                <a:spcPts val="500"/>
-              </a:spcBef>
-              <a:buFont typeface="Arial" panose="020B0604020202020204" pitchFamily="34" charset="0"/>
-              <a:buChar char="•"/>
-              <a:defRPr sz="1800" kern="1200">
-                <a:solidFill>
-                  <a:schemeClr val="tx1"/>
-                </a:solidFill>
-                <a:latin typeface="+mn-lt"/>
-                <a:ea typeface="+mn-ea"/>
-                <a:cs typeface="+mn-cs"/>
-              </a:defRPr>
-            </a:lvl8pPr>
-            <a:lvl9pPr marL="3886200" indent="-228600" algn="l" defTabSz="914400" rtl="0" eaLnBrk="1" latinLnBrk="0" hangingPunct="1">
-              <a:lnSpc>
-                <a:spcPct val="90000"/>
-              </a:lnSpc>
-              <a:spcBef>
-                <a:spcPts val="500"/>
-              </a:spcBef>
-              <a:buFont typeface="Arial" panose="020B0604020202020204" pitchFamily="34" charset="0"/>
-              <a:buChar char="•"/>
-              <a:defRPr sz="1800" kern="1200">
-                <a:solidFill>
-                  <a:schemeClr val="tx1"/>
-                </a:solidFill>
-                <a:latin typeface="+mn-lt"/>
-                <a:ea typeface="+mn-ea"/>
-                <a:cs typeface="+mn-cs"/>
-              </a:defRPr>
-            </a:lvl9pPr>
-          </a:lstStyle>
-          <a:p>
-            <a:endParaRPr lang="en-PL" dirty="0"/>
-          </a:p>
-          <a:p>
-            <a:r>
-              <a:rPr lang="en-GB" dirty="0">
-                <a:hlinkClick r:id="rId4"/>
               </a:rPr>
               <a:t>https://spring.io/</a:t>
             </a:r>
@@ -17273,6 +17010,35 @@
               <a:t> </a:t>
             </a:r>
             <a:endParaRPr lang="en-PL" dirty="0"/>
+          </a:p>
+          <a:p>
+            <a:r>
+              <a:rPr lang="en-GB" dirty="0">
+                <a:hlinkClick r:id="rId2"/>
+              </a:rPr>
+              <a:t>https://quarkus.io/blog/quarkus-for-spring-developers/</a:t>
+            </a:r>
+          </a:p>
+          <a:p>
+            <a:r>
+              <a:rPr lang="en-GB" dirty="0">
+                <a:hlinkClick r:id="rId2"/>
+              </a:rPr>
+              <a:t>https://www.geeksforgeeks.org/difference-between-spring-boot-and-quarkus/</a:t>
+            </a:r>
+            <a:endParaRPr lang="en-GB" dirty="0"/>
+          </a:p>
+          <a:p>
+            <a:r>
+              <a:rPr lang="en-GB" dirty="0">
+                <a:hlinkClick r:id="rId4"/>
+              </a:rPr>
+              <a:t>https://quarkus.io/guides/hibernate-orm-panache</a:t>
+            </a:r>
+            <a:endParaRPr lang="en-GB" dirty="0"/>
+          </a:p>
+          <a:p>
+            <a:endParaRPr lang="en-GB" dirty="0"/>
           </a:p>
           <a:p>
             <a:endParaRPr lang="en-PL" dirty="0"/>
